--- a/OS簡報.pptx
+++ b/OS簡報.pptx
@@ -9,6 +9,8 @@
     <p:sldId id="258" r:id="rId3"/>
     <p:sldId id="259" r:id="rId4"/>
     <p:sldId id="257" r:id="rId5"/>
+    <p:sldId id="260" r:id="rId6"/>
+    <p:sldId id="261" r:id="rId7"/>
   </p:sldIdLst>
   <p:sldSz cx="12192000" cy="6858000"/>
   <p:notesSz cx="6858000" cy="9144000"/>
@@ -107,6 +109,11 @@
       </a:defRPr>
     </a:lvl9pPr>
   </p:defaultTextStyle>
+  <p:extLst>
+    <p:ext uri="{EFAFB233-063F-42B5-8137-9DF3F51BA10A}">
+      <p15:sldGuideLst xmlns:p15="http://schemas.microsoft.com/office/powerpoint/2012/main"/>
+    </p:ext>
+  </p:extLst>
 </p:presentation>
 </file>
 
@@ -257,7 +264,7 @@
           <a:p>
             <a:fld id="{2374AE5E-FB8E-4984-A97A-EC2E745076E6}" type="datetimeFigureOut">
               <a:rPr lang="zh-TW" altLang="en-US" smtClean="0"/>
-              <a:t>2023/12/9</a:t>
+              <a:t>2023/12/11</a:t>
             </a:fld>
             <a:endParaRPr lang="zh-TW" altLang="en-US"/>
           </a:p>
@@ -455,7 +462,7 @@
           <a:p>
             <a:fld id="{2374AE5E-FB8E-4984-A97A-EC2E745076E6}" type="datetimeFigureOut">
               <a:rPr lang="zh-TW" altLang="en-US" smtClean="0"/>
-              <a:t>2023/12/9</a:t>
+              <a:t>2023/12/11</a:t>
             </a:fld>
             <a:endParaRPr lang="zh-TW" altLang="en-US"/>
           </a:p>
@@ -663,7 +670,7 @@
           <a:p>
             <a:fld id="{2374AE5E-FB8E-4984-A97A-EC2E745076E6}" type="datetimeFigureOut">
               <a:rPr lang="zh-TW" altLang="en-US" smtClean="0"/>
-              <a:t>2023/12/9</a:t>
+              <a:t>2023/12/11</a:t>
             </a:fld>
             <a:endParaRPr lang="zh-TW" altLang="en-US"/>
           </a:p>
@@ -861,7 +868,7 @@
           <a:p>
             <a:fld id="{2374AE5E-FB8E-4984-A97A-EC2E745076E6}" type="datetimeFigureOut">
               <a:rPr lang="zh-TW" altLang="en-US" smtClean="0"/>
-              <a:t>2023/12/9</a:t>
+              <a:t>2023/12/11</a:t>
             </a:fld>
             <a:endParaRPr lang="zh-TW" altLang="en-US"/>
           </a:p>
@@ -1136,7 +1143,7 @@
           <a:p>
             <a:fld id="{2374AE5E-FB8E-4984-A97A-EC2E745076E6}" type="datetimeFigureOut">
               <a:rPr lang="zh-TW" altLang="en-US" smtClean="0"/>
-              <a:t>2023/12/9</a:t>
+              <a:t>2023/12/11</a:t>
             </a:fld>
             <a:endParaRPr lang="zh-TW" altLang="en-US"/>
           </a:p>
@@ -1401,7 +1408,7 @@
           <a:p>
             <a:fld id="{2374AE5E-FB8E-4984-A97A-EC2E745076E6}" type="datetimeFigureOut">
               <a:rPr lang="zh-TW" altLang="en-US" smtClean="0"/>
-              <a:t>2023/12/9</a:t>
+              <a:t>2023/12/11</a:t>
             </a:fld>
             <a:endParaRPr lang="zh-TW" altLang="en-US"/>
           </a:p>
@@ -1813,7 +1820,7 @@
           <a:p>
             <a:fld id="{2374AE5E-FB8E-4984-A97A-EC2E745076E6}" type="datetimeFigureOut">
               <a:rPr lang="zh-TW" altLang="en-US" smtClean="0"/>
-              <a:t>2023/12/9</a:t>
+              <a:t>2023/12/11</a:t>
             </a:fld>
             <a:endParaRPr lang="zh-TW" altLang="en-US"/>
           </a:p>
@@ -1954,7 +1961,7 @@
           <a:p>
             <a:fld id="{2374AE5E-FB8E-4984-A97A-EC2E745076E6}" type="datetimeFigureOut">
               <a:rPr lang="zh-TW" altLang="en-US" smtClean="0"/>
-              <a:t>2023/12/9</a:t>
+              <a:t>2023/12/11</a:t>
             </a:fld>
             <a:endParaRPr lang="zh-TW" altLang="en-US"/>
           </a:p>
@@ -2067,7 +2074,7 @@
           <a:p>
             <a:fld id="{2374AE5E-FB8E-4984-A97A-EC2E745076E6}" type="datetimeFigureOut">
               <a:rPr lang="zh-TW" altLang="en-US" smtClean="0"/>
-              <a:t>2023/12/9</a:t>
+              <a:t>2023/12/11</a:t>
             </a:fld>
             <a:endParaRPr lang="zh-TW" altLang="en-US"/>
           </a:p>
@@ -2408,7 +2415,7 @@
           <a:p>
             <a:fld id="{2374AE5E-FB8E-4984-A97A-EC2E745076E6}" type="datetimeFigureOut">
               <a:rPr lang="zh-TW" altLang="en-US" smtClean="0"/>
-              <a:t>2023/12/9</a:t>
+              <a:t>2023/12/11</a:t>
             </a:fld>
             <a:endParaRPr lang="zh-TW" altLang="en-US"/>
           </a:p>
@@ -2696,7 +2703,7 @@
           <a:p>
             <a:fld id="{2374AE5E-FB8E-4984-A97A-EC2E745076E6}" type="datetimeFigureOut">
               <a:rPr lang="zh-TW" altLang="en-US" smtClean="0"/>
-              <a:t>2023/12/9</a:t>
+              <a:t>2023/12/11</a:t>
             </a:fld>
             <a:endParaRPr lang="zh-TW" altLang="en-US"/>
           </a:p>
@@ -2937,7 +2944,7 @@
           <a:p>
             <a:fld id="{2374AE5E-FB8E-4984-A97A-EC2E745076E6}" type="datetimeFigureOut">
               <a:rPr lang="zh-TW" altLang="en-US" smtClean="0"/>
-              <a:t>2023/12/9</a:t>
+              <a:t>2023/12/11</a:t>
             </a:fld>
             <a:endParaRPr lang="zh-TW" altLang="en-US"/>
           </a:p>
@@ -4860,703 +4867,6 @@
           <a:chExt cx="0" cy="0"/>
         </a:xfrm>
       </p:grpSpPr>
-      <p:grpSp>
-        <p:nvGrpSpPr>
-          <p:cNvPr id="25" name="群組 24">
-            <a:extLst>
-              <a:ext uri="{FF2B5EF4-FFF2-40B4-BE49-F238E27FC236}">
-                <a16:creationId xmlns:a16="http://schemas.microsoft.com/office/drawing/2014/main" id="{8572EAAE-E215-DD5A-B65C-B297660488F2}"/>
-              </a:ext>
-            </a:extLst>
-          </p:cNvPr>
-          <p:cNvGrpSpPr/>
-          <p:nvPr/>
-        </p:nvGrpSpPr>
-        <p:grpSpPr>
-          <a:xfrm>
-            <a:off x="1552575" y="1698154"/>
-            <a:ext cx="9258300" cy="2501861"/>
-            <a:chOff x="1238250" y="1612429"/>
-            <a:chExt cx="9258300" cy="2501861"/>
-          </a:xfrm>
-        </p:grpSpPr>
-        <p:pic>
-          <p:nvPicPr>
-            <p:cNvPr id="3" name="圖片 2">
-              <a:extLst>
-                <a:ext uri="{FF2B5EF4-FFF2-40B4-BE49-F238E27FC236}">
-                  <a16:creationId xmlns:a16="http://schemas.microsoft.com/office/drawing/2014/main" id="{CF7254AD-B16D-163C-5A34-DB9756354F80}"/>
-                </a:ext>
-              </a:extLst>
-            </p:cNvPr>
-            <p:cNvPicPr>
-              <a:picLocks noChangeAspect="1"/>
-            </p:cNvPicPr>
-            <p:nvPr/>
-          </p:nvPicPr>
-          <p:blipFill>
-            <a:blip r:embed="rId2"/>
-            <a:stretch>
-              <a:fillRect/>
-            </a:stretch>
-          </p:blipFill>
-          <p:spPr>
-            <a:xfrm>
-              <a:off x="1238250" y="1612429"/>
-              <a:ext cx="9258300" cy="2501861"/>
-            </a:xfrm>
-            <a:prstGeom prst="rect">
-              <a:avLst/>
-            </a:prstGeom>
-          </p:spPr>
-        </p:pic>
-        <p:sp>
-          <p:nvSpPr>
-            <p:cNvPr id="5" name="矩形 4">
-              <a:extLst>
-                <a:ext uri="{FF2B5EF4-FFF2-40B4-BE49-F238E27FC236}">
-                  <a16:creationId xmlns:a16="http://schemas.microsoft.com/office/drawing/2014/main" id="{26CB7206-143C-754D-EF09-5E4F83B25318}"/>
-                </a:ext>
-              </a:extLst>
-            </p:cNvPr>
-            <p:cNvSpPr/>
-            <p:nvPr/>
-          </p:nvSpPr>
-          <p:spPr>
-            <a:xfrm>
-              <a:off x="3343275" y="1943100"/>
-              <a:ext cx="57150" cy="2171190"/>
-            </a:xfrm>
-            <a:prstGeom prst="rect">
-              <a:avLst/>
-            </a:prstGeom>
-          </p:spPr>
-          <p:style>
-            <a:lnRef idx="2">
-              <a:schemeClr val="accent1">
-                <a:shade val="15000"/>
-              </a:schemeClr>
-            </a:lnRef>
-            <a:fillRef idx="1">
-              <a:schemeClr val="accent1"/>
-            </a:fillRef>
-            <a:effectRef idx="0">
-              <a:schemeClr val="accent1"/>
-            </a:effectRef>
-            <a:fontRef idx="minor">
-              <a:schemeClr val="lt1"/>
-            </a:fontRef>
-          </p:style>
-          <p:txBody>
-            <a:bodyPr rtlCol="0" anchor="ctr"/>
-            <a:lstStyle/>
-            <a:p>
-              <a:pPr algn="ctr"/>
-              <a:endParaRPr lang="zh-TW" altLang="en-US"/>
-            </a:p>
-          </p:txBody>
-        </p:sp>
-        <p:sp>
-          <p:nvSpPr>
-            <p:cNvPr id="6" name="矩形 5">
-              <a:extLst>
-                <a:ext uri="{FF2B5EF4-FFF2-40B4-BE49-F238E27FC236}">
-                  <a16:creationId xmlns:a16="http://schemas.microsoft.com/office/drawing/2014/main" id="{5F4DEB26-D5FC-EBED-D86C-0821FFCDEDDA}"/>
-                </a:ext>
-              </a:extLst>
-            </p:cNvPr>
-            <p:cNvSpPr/>
-            <p:nvPr/>
-          </p:nvSpPr>
-          <p:spPr>
-            <a:xfrm>
-              <a:off x="5514975" y="1943100"/>
-              <a:ext cx="57150" cy="2171190"/>
-            </a:xfrm>
-            <a:prstGeom prst="rect">
-              <a:avLst/>
-            </a:prstGeom>
-          </p:spPr>
-          <p:style>
-            <a:lnRef idx="2">
-              <a:schemeClr val="accent1">
-                <a:shade val="15000"/>
-              </a:schemeClr>
-            </a:lnRef>
-            <a:fillRef idx="1">
-              <a:schemeClr val="accent1"/>
-            </a:fillRef>
-            <a:effectRef idx="0">
-              <a:schemeClr val="accent1"/>
-            </a:effectRef>
-            <a:fontRef idx="minor">
-              <a:schemeClr val="lt1"/>
-            </a:fontRef>
-          </p:style>
-          <p:txBody>
-            <a:bodyPr rtlCol="0" anchor="ctr"/>
-            <a:lstStyle/>
-            <a:p>
-              <a:pPr algn="ctr"/>
-              <a:endParaRPr lang="zh-TW" altLang="en-US"/>
-            </a:p>
-          </p:txBody>
-        </p:sp>
-        <p:sp>
-          <p:nvSpPr>
-            <p:cNvPr id="7" name="矩形 6">
-              <a:extLst>
-                <a:ext uri="{FF2B5EF4-FFF2-40B4-BE49-F238E27FC236}">
-                  <a16:creationId xmlns:a16="http://schemas.microsoft.com/office/drawing/2014/main" id="{77D4F119-9C19-8E13-8540-CD9F30C9A053}"/>
-                </a:ext>
-              </a:extLst>
-            </p:cNvPr>
-            <p:cNvSpPr/>
-            <p:nvPr/>
-          </p:nvSpPr>
-          <p:spPr>
-            <a:xfrm rot="5400000">
-              <a:off x="2295270" y="3000120"/>
-              <a:ext cx="57150" cy="2171190"/>
-            </a:xfrm>
-            <a:prstGeom prst="rect">
-              <a:avLst/>
-            </a:prstGeom>
-          </p:spPr>
-          <p:style>
-            <a:lnRef idx="2">
-              <a:schemeClr val="accent1">
-                <a:shade val="15000"/>
-              </a:schemeClr>
-            </a:lnRef>
-            <a:fillRef idx="1">
-              <a:schemeClr val="accent1"/>
-            </a:fillRef>
-            <a:effectRef idx="0">
-              <a:schemeClr val="accent1"/>
-            </a:effectRef>
-            <a:fontRef idx="minor">
-              <a:schemeClr val="lt1"/>
-            </a:fontRef>
-          </p:style>
-          <p:txBody>
-            <a:bodyPr rtlCol="0" anchor="ctr"/>
-            <a:lstStyle/>
-            <a:p>
-              <a:pPr algn="ctr"/>
-              <a:endParaRPr lang="zh-TW" altLang="en-US"/>
-            </a:p>
-          </p:txBody>
-        </p:sp>
-        <p:sp>
-          <p:nvSpPr>
-            <p:cNvPr id="8" name="矩形 7">
-              <a:extLst>
-                <a:ext uri="{FF2B5EF4-FFF2-40B4-BE49-F238E27FC236}">
-                  <a16:creationId xmlns:a16="http://schemas.microsoft.com/office/drawing/2014/main" id="{A0D3A527-8014-4E58-D974-386B382570F0}"/>
-                </a:ext>
-              </a:extLst>
-            </p:cNvPr>
-            <p:cNvSpPr/>
-            <p:nvPr/>
-          </p:nvSpPr>
-          <p:spPr>
-            <a:xfrm rot="5400000">
-              <a:off x="4400295" y="3000120"/>
-              <a:ext cx="57150" cy="2171190"/>
-            </a:xfrm>
-            <a:prstGeom prst="rect">
-              <a:avLst/>
-            </a:prstGeom>
-          </p:spPr>
-          <p:style>
-            <a:lnRef idx="2">
-              <a:schemeClr val="accent1">
-                <a:shade val="15000"/>
-              </a:schemeClr>
-            </a:lnRef>
-            <a:fillRef idx="1">
-              <a:schemeClr val="accent1"/>
-            </a:fillRef>
-            <a:effectRef idx="0">
-              <a:schemeClr val="accent1"/>
-            </a:effectRef>
-            <a:fontRef idx="minor">
-              <a:schemeClr val="lt1"/>
-            </a:fontRef>
-          </p:style>
-          <p:txBody>
-            <a:bodyPr rtlCol="0" anchor="ctr"/>
-            <a:lstStyle/>
-            <a:p>
-              <a:pPr algn="ctr"/>
-              <a:endParaRPr lang="zh-TW" altLang="en-US"/>
-            </a:p>
-          </p:txBody>
-        </p:sp>
-        <p:sp>
-          <p:nvSpPr>
-            <p:cNvPr id="9" name="矩形 8">
-              <a:extLst>
-                <a:ext uri="{FF2B5EF4-FFF2-40B4-BE49-F238E27FC236}">
-                  <a16:creationId xmlns:a16="http://schemas.microsoft.com/office/drawing/2014/main" id="{6A069EA7-25B6-FC29-6042-682AA84FE731}"/>
-                </a:ext>
-              </a:extLst>
-            </p:cNvPr>
-            <p:cNvSpPr/>
-            <p:nvPr/>
-          </p:nvSpPr>
-          <p:spPr>
-            <a:xfrm rot="5400000">
-              <a:off x="6591302" y="3000120"/>
-              <a:ext cx="57150" cy="2171190"/>
-            </a:xfrm>
-            <a:prstGeom prst="rect">
-              <a:avLst/>
-            </a:prstGeom>
-          </p:spPr>
-          <p:style>
-            <a:lnRef idx="2">
-              <a:schemeClr val="accent1">
-                <a:shade val="15000"/>
-              </a:schemeClr>
-            </a:lnRef>
-            <a:fillRef idx="1">
-              <a:schemeClr val="accent1"/>
-            </a:fillRef>
-            <a:effectRef idx="0">
-              <a:schemeClr val="accent1"/>
-            </a:effectRef>
-            <a:fontRef idx="minor">
-              <a:schemeClr val="lt1"/>
-            </a:fontRef>
-          </p:style>
-          <p:txBody>
-            <a:bodyPr rtlCol="0" anchor="ctr"/>
-            <a:lstStyle/>
-            <a:p>
-              <a:pPr algn="ctr"/>
-              <a:endParaRPr lang="zh-TW" altLang="en-US"/>
-            </a:p>
-          </p:txBody>
-        </p:sp>
-        <p:sp>
-          <p:nvSpPr>
-            <p:cNvPr id="11" name="矩形 10">
-              <a:extLst>
-                <a:ext uri="{FF2B5EF4-FFF2-40B4-BE49-F238E27FC236}">
-                  <a16:creationId xmlns:a16="http://schemas.microsoft.com/office/drawing/2014/main" id="{340A8DC0-E9D6-95BB-B81A-7648C9EF8993}"/>
-                </a:ext>
-              </a:extLst>
-            </p:cNvPr>
-            <p:cNvSpPr/>
-            <p:nvPr/>
-          </p:nvSpPr>
-          <p:spPr>
-            <a:xfrm rot="5400000">
-              <a:off x="2295270" y="835045"/>
-              <a:ext cx="57150" cy="2171190"/>
-            </a:xfrm>
-            <a:prstGeom prst="rect">
-              <a:avLst/>
-            </a:prstGeom>
-          </p:spPr>
-          <p:style>
-            <a:lnRef idx="2">
-              <a:schemeClr val="accent1">
-                <a:shade val="15000"/>
-              </a:schemeClr>
-            </a:lnRef>
-            <a:fillRef idx="1">
-              <a:schemeClr val="accent1"/>
-            </a:fillRef>
-            <a:effectRef idx="0">
-              <a:schemeClr val="accent1"/>
-            </a:effectRef>
-            <a:fontRef idx="minor">
-              <a:schemeClr val="lt1"/>
-            </a:fontRef>
-          </p:style>
-          <p:txBody>
-            <a:bodyPr rtlCol="0" anchor="ctr"/>
-            <a:lstStyle/>
-            <a:p>
-              <a:pPr algn="ctr"/>
-              <a:endParaRPr lang="zh-TW" altLang="en-US"/>
-            </a:p>
-          </p:txBody>
-        </p:sp>
-        <p:sp>
-          <p:nvSpPr>
-            <p:cNvPr id="13" name="矩形 12">
-              <a:extLst>
-                <a:ext uri="{FF2B5EF4-FFF2-40B4-BE49-F238E27FC236}">
-                  <a16:creationId xmlns:a16="http://schemas.microsoft.com/office/drawing/2014/main" id="{24767877-5577-AF80-B4E6-CF5E895163D3}"/>
-                </a:ext>
-              </a:extLst>
-            </p:cNvPr>
-            <p:cNvSpPr/>
-            <p:nvPr/>
-          </p:nvSpPr>
-          <p:spPr>
-            <a:xfrm rot="5400000">
-              <a:off x="4457445" y="835045"/>
-              <a:ext cx="57150" cy="2171190"/>
-            </a:xfrm>
-            <a:prstGeom prst="rect">
-              <a:avLst/>
-            </a:prstGeom>
-          </p:spPr>
-          <p:style>
-            <a:lnRef idx="2">
-              <a:schemeClr val="accent1">
-                <a:shade val="15000"/>
-              </a:schemeClr>
-            </a:lnRef>
-            <a:fillRef idx="1">
-              <a:schemeClr val="accent1"/>
-            </a:fillRef>
-            <a:effectRef idx="0">
-              <a:schemeClr val="accent1"/>
-            </a:effectRef>
-            <a:fontRef idx="minor">
-              <a:schemeClr val="lt1"/>
-            </a:fontRef>
-          </p:style>
-          <p:txBody>
-            <a:bodyPr rtlCol="0" anchor="ctr"/>
-            <a:lstStyle/>
-            <a:p>
-              <a:pPr algn="ctr"/>
-              <a:endParaRPr lang="zh-TW" altLang="en-US"/>
-            </a:p>
-          </p:txBody>
-        </p:sp>
-        <p:sp>
-          <p:nvSpPr>
-            <p:cNvPr id="15" name="矩形 14">
-              <a:extLst>
-                <a:ext uri="{FF2B5EF4-FFF2-40B4-BE49-F238E27FC236}">
-                  <a16:creationId xmlns:a16="http://schemas.microsoft.com/office/drawing/2014/main" id="{F8E714DC-2660-633E-D9F3-B737D2551EBD}"/>
-                </a:ext>
-              </a:extLst>
-            </p:cNvPr>
-            <p:cNvSpPr/>
-            <p:nvPr/>
-          </p:nvSpPr>
-          <p:spPr>
-            <a:xfrm rot="5400000">
-              <a:off x="6581010" y="828930"/>
-              <a:ext cx="57150" cy="2171190"/>
-            </a:xfrm>
-            <a:prstGeom prst="rect">
-              <a:avLst/>
-            </a:prstGeom>
-          </p:spPr>
-          <p:style>
-            <a:lnRef idx="2">
-              <a:schemeClr val="accent1">
-                <a:shade val="15000"/>
-              </a:schemeClr>
-            </a:lnRef>
-            <a:fillRef idx="1">
-              <a:schemeClr val="accent1"/>
-            </a:fillRef>
-            <a:effectRef idx="0">
-              <a:schemeClr val="accent1"/>
-            </a:effectRef>
-            <a:fontRef idx="minor">
-              <a:schemeClr val="lt1"/>
-            </a:fontRef>
-          </p:style>
-          <p:txBody>
-            <a:bodyPr rtlCol="0" anchor="ctr"/>
-            <a:lstStyle/>
-            <a:p>
-              <a:pPr algn="ctr"/>
-              <a:endParaRPr lang="zh-TW" altLang="en-US"/>
-            </a:p>
-          </p:txBody>
-        </p:sp>
-        <p:sp>
-          <p:nvSpPr>
-            <p:cNvPr id="17" name="矩形 16">
-              <a:extLst>
-                <a:ext uri="{FF2B5EF4-FFF2-40B4-BE49-F238E27FC236}">
-                  <a16:creationId xmlns:a16="http://schemas.microsoft.com/office/drawing/2014/main" id="{64087A12-F94A-DF20-1CC6-FF37F6824353}"/>
-                </a:ext>
-              </a:extLst>
-            </p:cNvPr>
-            <p:cNvSpPr/>
-            <p:nvPr/>
-          </p:nvSpPr>
-          <p:spPr>
-            <a:xfrm>
-              <a:off x="1257300" y="1943100"/>
-              <a:ext cx="57150" cy="2171190"/>
-            </a:xfrm>
-            <a:prstGeom prst="rect">
-              <a:avLst/>
-            </a:prstGeom>
-          </p:spPr>
-          <p:style>
-            <a:lnRef idx="2">
-              <a:schemeClr val="accent1">
-                <a:shade val="15000"/>
-              </a:schemeClr>
-            </a:lnRef>
-            <a:fillRef idx="1">
-              <a:schemeClr val="accent1"/>
-            </a:fillRef>
-            <a:effectRef idx="0">
-              <a:schemeClr val="accent1"/>
-            </a:effectRef>
-            <a:fontRef idx="minor">
-              <a:schemeClr val="lt1"/>
-            </a:fontRef>
-          </p:style>
-          <p:txBody>
-            <a:bodyPr rtlCol="0" anchor="ctr"/>
-            <a:lstStyle/>
-            <a:p>
-              <a:pPr algn="ctr"/>
-              <a:endParaRPr lang="zh-TW" altLang="en-US"/>
-            </a:p>
-          </p:txBody>
-        </p:sp>
-        <p:sp>
-          <p:nvSpPr>
-            <p:cNvPr id="19" name="矩形 18">
-              <a:extLst>
-                <a:ext uri="{FF2B5EF4-FFF2-40B4-BE49-F238E27FC236}">
-                  <a16:creationId xmlns:a16="http://schemas.microsoft.com/office/drawing/2014/main" id="{C56EC431-ACB4-B8DE-0C86-505490FFF64E}"/>
-                </a:ext>
-              </a:extLst>
-            </p:cNvPr>
-            <p:cNvSpPr/>
-            <p:nvPr/>
-          </p:nvSpPr>
-          <p:spPr>
-            <a:xfrm>
-              <a:off x="7667629" y="1943100"/>
-              <a:ext cx="57150" cy="2171190"/>
-            </a:xfrm>
-            <a:prstGeom prst="rect">
-              <a:avLst/>
-            </a:prstGeom>
-            <a:solidFill>
-              <a:srgbClr val="C00000"/>
-            </a:solidFill>
-            <a:ln>
-              <a:solidFill>
-                <a:srgbClr val="C00000"/>
-              </a:solidFill>
-            </a:ln>
-          </p:spPr>
-          <p:style>
-            <a:lnRef idx="2">
-              <a:schemeClr val="accent1">
-                <a:shade val="15000"/>
-              </a:schemeClr>
-            </a:lnRef>
-            <a:fillRef idx="1">
-              <a:schemeClr val="accent1"/>
-            </a:fillRef>
-            <a:effectRef idx="0">
-              <a:schemeClr val="accent1"/>
-            </a:effectRef>
-            <a:fontRef idx="minor">
-              <a:schemeClr val="lt1"/>
-            </a:fontRef>
-          </p:style>
-          <p:txBody>
-            <a:bodyPr rtlCol="0" anchor="ctr"/>
-            <a:lstStyle/>
-            <a:p>
-              <a:pPr algn="ctr"/>
-              <a:endParaRPr lang="zh-TW" altLang="en-US">
-                <a:solidFill>
-                  <a:srgbClr val="FF0000"/>
-                </a:solidFill>
-                <a:highlight>
-                  <a:srgbClr val="FFFF00"/>
-                </a:highlight>
-              </a:endParaRPr>
-            </a:p>
-          </p:txBody>
-        </p:sp>
-        <p:sp>
-          <p:nvSpPr>
-            <p:cNvPr id="21" name="矩形 20">
-              <a:extLst>
-                <a:ext uri="{FF2B5EF4-FFF2-40B4-BE49-F238E27FC236}">
-                  <a16:creationId xmlns:a16="http://schemas.microsoft.com/office/drawing/2014/main" id="{8B5FB645-B6BC-CB68-AD0D-E7AEC201D702}"/>
-                </a:ext>
-              </a:extLst>
-            </p:cNvPr>
-            <p:cNvSpPr/>
-            <p:nvPr/>
-          </p:nvSpPr>
-          <p:spPr>
-            <a:xfrm>
-              <a:off x="9818745" y="1943100"/>
-              <a:ext cx="57150" cy="2171190"/>
-            </a:xfrm>
-            <a:prstGeom prst="rect">
-              <a:avLst/>
-            </a:prstGeom>
-            <a:solidFill>
-              <a:srgbClr val="C00000"/>
-            </a:solidFill>
-            <a:ln>
-              <a:solidFill>
-                <a:srgbClr val="C00000"/>
-              </a:solidFill>
-            </a:ln>
-          </p:spPr>
-          <p:style>
-            <a:lnRef idx="2">
-              <a:schemeClr val="accent1">
-                <a:shade val="15000"/>
-              </a:schemeClr>
-            </a:lnRef>
-            <a:fillRef idx="1">
-              <a:schemeClr val="accent1"/>
-            </a:fillRef>
-            <a:effectRef idx="0">
-              <a:schemeClr val="accent1"/>
-            </a:effectRef>
-            <a:fontRef idx="minor">
-              <a:schemeClr val="lt1"/>
-            </a:fontRef>
-          </p:style>
-          <p:txBody>
-            <a:bodyPr rtlCol="0" anchor="ctr"/>
-            <a:lstStyle/>
-            <a:p>
-              <a:pPr algn="ctr"/>
-              <a:endParaRPr lang="zh-TW" altLang="en-US">
-                <a:solidFill>
-                  <a:srgbClr val="FF0000"/>
-                </a:solidFill>
-                <a:highlight>
-                  <a:srgbClr val="FFFF00"/>
-                </a:highlight>
-              </a:endParaRPr>
-            </a:p>
-          </p:txBody>
-        </p:sp>
-        <p:sp>
-          <p:nvSpPr>
-            <p:cNvPr id="23" name="矩形 22">
-              <a:extLst>
-                <a:ext uri="{FF2B5EF4-FFF2-40B4-BE49-F238E27FC236}">
-                  <a16:creationId xmlns:a16="http://schemas.microsoft.com/office/drawing/2014/main" id="{85B5C9F6-8707-109C-8679-BAF0CCD1A746}"/>
-                </a:ext>
-              </a:extLst>
-            </p:cNvPr>
-            <p:cNvSpPr/>
-            <p:nvPr/>
-          </p:nvSpPr>
-          <p:spPr>
-            <a:xfrm rot="5400000">
-              <a:off x="8752200" y="3000120"/>
-              <a:ext cx="57150" cy="2171190"/>
-            </a:xfrm>
-            <a:prstGeom prst="rect">
-              <a:avLst/>
-            </a:prstGeom>
-            <a:solidFill>
-              <a:srgbClr val="C00000"/>
-            </a:solidFill>
-          </p:spPr>
-          <p:style>
-            <a:lnRef idx="2">
-              <a:schemeClr val="accent1">
-                <a:shade val="15000"/>
-              </a:schemeClr>
-            </a:lnRef>
-            <a:fillRef idx="1">
-              <a:schemeClr val="accent1"/>
-            </a:fillRef>
-            <a:effectRef idx="0">
-              <a:schemeClr val="accent1"/>
-            </a:effectRef>
-            <a:fontRef idx="minor">
-              <a:schemeClr val="lt1"/>
-            </a:fontRef>
-          </p:style>
-          <p:txBody>
-            <a:bodyPr rtlCol="0" anchor="ctr"/>
-            <a:lstStyle/>
-            <a:p>
-              <a:pPr algn="ctr"/>
-              <a:endParaRPr lang="zh-TW" altLang="en-US"/>
-            </a:p>
-          </p:txBody>
-        </p:sp>
-        <p:sp>
-          <p:nvSpPr>
-            <p:cNvPr id="24" name="矩形 23">
-              <a:extLst>
-                <a:ext uri="{FF2B5EF4-FFF2-40B4-BE49-F238E27FC236}">
-                  <a16:creationId xmlns:a16="http://schemas.microsoft.com/office/drawing/2014/main" id="{115712D7-F1AB-57BF-1DA7-4EBD26408169}"/>
-                </a:ext>
-              </a:extLst>
-            </p:cNvPr>
-            <p:cNvSpPr/>
-            <p:nvPr/>
-          </p:nvSpPr>
-          <p:spPr>
-            <a:xfrm rot="5400000">
-              <a:off x="8761725" y="822815"/>
-              <a:ext cx="57150" cy="2171190"/>
-            </a:xfrm>
-            <a:prstGeom prst="rect">
-              <a:avLst/>
-            </a:prstGeom>
-            <a:solidFill>
-              <a:srgbClr val="C00000"/>
-            </a:solidFill>
-            <a:ln>
-              <a:solidFill>
-                <a:srgbClr val="C00000"/>
-              </a:solidFill>
-            </a:ln>
-          </p:spPr>
-          <p:style>
-            <a:lnRef idx="2">
-              <a:schemeClr val="accent1">
-                <a:shade val="15000"/>
-              </a:schemeClr>
-            </a:lnRef>
-            <a:fillRef idx="1">
-              <a:schemeClr val="accent1"/>
-            </a:fillRef>
-            <a:effectRef idx="0">
-              <a:schemeClr val="accent1"/>
-            </a:effectRef>
-            <a:fontRef idx="minor">
-              <a:schemeClr val="lt1"/>
-            </a:fontRef>
-          </p:style>
-          <p:txBody>
-            <a:bodyPr rtlCol="0" anchor="ctr"/>
-            <a:lstStyle/>
-            <a:p>
-              <a:pPr algn="ctr"/>
-              <a:endParaRPr lang="zh-TW" altLang="en-US">
-                <a:solidFill>
-                  <a:srgbClr val="FF0000"/>
-                </a:solidFill>
-                <a:highlight>
-                  <a:srgbClr val="FFFF00"/>
-                </a:highlight>
-              </a:endParaRPr>
-            </a:p>
-          </p:txBody>
-        </p:sp>
-      </p:grpSp>
       <p:sp>
         <p:nvSpPr>
           <p:cNvPr id="26" name="文字方塊 25">
@@ -5954,10 +5264,1157 @@
           </a:p>
         </p:txBody>
       </p:sp>
+      <p:sp>
+        <p:nvSpPr>
+          <p:cNvPr id="2" name="文字方塊 1">
+            <a:hlinkClick r:id="rId2"/>
+            <a:extLst>
+              <a:ext uri="{FF2B5EF4-FFF2-40B4-BE49-F238E27FC236}">
+                <a16:creationId xmlns:a16="http://schemas.microsoft.com/office/drawing/2014/main" id="{4A0D35CD-EF21-2239-3F6B-82A0A953F524}"/>
+              </a:ext>
+            </a:extLst>
+          </p:cNvPr>
+          <p:cNvSpPr txBox="1"/>
+          <p:nvPr/>
+        </p:nvSpPr>
+        <p:spPr>
+          <a:xfrm>
+            <a:off x="66675" y="6307939"/>
+            <a:ext cx="5915025" cy="369332"/>
+          </a:xfrm>
+          <a:prstGeom prst="rect">
+            <a:avLst/>
+          </a:prstGeom>
+          <a:noFill/>
+        </p:spPr>
+        <p:txBody>
+          <a:bodyPr wrap="square" rtlCol="0">
+            <a:spAutoFit/>
+          </a:bodyPr>
+          <a:lstStyle/>
+          <a:p>
+            <a:pPr algn="ctr"/>
+            <a:r>
+              <a:rPr lang="en-US" altLang="zh-TW" dirty="0"/>
+              <a:t>https://youtu.be/z1T7pJIWW38</a:t>
+            </a:r>
+            <a:endParaRPr lang="zh-TW" altLang="en-US" dirty="0"/>
+          </a:p>
+        </p:txBody>
+      </p:sp>
+      <p:pic>
+        <p:nvPicPr>
+          <p:cNvPr id="36" name="圖片 35">
+            <a:extLst>
+              <a:ext uri="{FF2B5EF4-FFF2-40B4-BE49-F238E27FC236}">
+                <a16:creationId xmlns:a16="http://schemas.microsoft.com/office/drawing/2014/main" id="{DAD13DEE-EB99-B552-F612-94F694C7B3E5}"/>
+              </a:ext>
+            </a:extLst>
+          </p:cNvPr>
+          <p:cNvPicPr>
+            <a:picLocks noChangeAspect="1"/>
+          </p:cNvPicPr>
+          <p:nvPr/>
+        </p:nvPicPr>
+        <p:blipFill>
+          <a:blip r:embed="rId3"/>
+          <a:stretch>
+            <a:fillRect/>
+          </a:stretch>
+        </p:blipFill>
+        <p:spPr>
+          <a:xfrm>
+            <a:off x="1281750" y="1582358"/>
+            <a:ext cx="9399900" cy="2604175"/>
+          </a:xfrm>
+          <a:prstGeom prst="rect">
+            <a:avLst/>
+          </a:prstGeom>
+        </p:spPr>
+      </p:pic>
+      <p:sp>
+        <p:nvSpPr>
+          <p:cNvPr id="37" name="矩形 36">
+            <a:extLst>
+              <a:ext uri="{FF2B5EF4-FFF2-40B4-BE49-F238E27FC236}">
+                <a16:creationId xmlns:a16="http://schemas.microsoft.com/office/drawing/2014/main" id="{3A1507CE-813F-FE8F-4382-E11187607661}"/>
+              </a:ext>
+            </a:extLst>
+          </p:cNvPr>
+          <p:cNvSpPr/>
+          <p:nvPr/>
+        </p:nvSpPr>
+        <p:spPr>
+          <a:xfrm>
+            <a:off x="1190625" y="1933575"/>
+            <a:ext cx="91125" cy="2252958"/>
+          </a:xfrm>
+          <a:prstGeom prst="rect">
+            <a:avLst/>
+          </a:prstGeom>
+        </p:spPr>
+        <p:style>
+          <a:lnRef idx="2">
+            <a:schemeClr val="accent1">
+              <a:shade val="15000"/>
+            </a:schemeClr>
+          </a:lnRef>
+          <a:fillRef idx="1">
+            <a:schemeClr val="accent1"/>
+          </a:fillRef>
+          <a:effectRef idx="0">
+            <a:schemeClr val="accent1"/>
+          </a:effectRef>
+          <a:fontRef idx="minor">
+            <a:schemeClr val="lt1"/>
+          </a:fontRef>
+        </p:style>
+        <p:txBody>
+          <a:bodyPr rtlCol="0" anchor="ctr"/>
+          <a:lstStyle/>
+          <a:p>
+            <a:pPr algn="ctr"/>
+            <a:endParaRPr lang="zh-TW" altLang="en-US"/>
+          </a:p>
+        </p:txBody>
+      </p:sp>
+      <p:sp>
+        <p:nvSpPr>
+          <p:cNvPr id="38" name="矩形 37">
+            <a:extLst>
+              <a:ext uri="{FF2B5EF4-FFF2-40B4-BE49-F238E27FC236}">
+                <a16:creationId xmlns:a16="http://schemas.microsoft.com/office/drawing/2014/main" id="{D18A1E21-4906-7393-A2FD-BE620CE204C1}"/>
+              </a:ext>
+            </a:extLst>
+          </p:cNvPr>
+          <p:cNvSpPr/>
+          <p:nvPr/>
+        </p:nvSpPr>
+        <p:spPr>
+          <a:xfrm>
+            <a:off x="3467100" y="1933575"/>
+            <a:ext cx="91125" cy="2252958"/>
+          </a:xfrm>
+          <a:prstGeom prst="rect">
+            <a:avLst/>
+          </a:prstGeom>
+        </p:spPr>
+        <p:style>
+          <a:lnRef idx="2">
+            <a:schemeClr val="accent1">
+              <a:shade val="15000"/>
+            </a:schemeClr>
+          </a:lnRef>
+          <a:fillRef idx="1">
+            <a:schemeClr val="accent1"/>
+          </a:fillRef>
+          <a:effectRef idx="0">
+            <a:schemeClr val="accent1"/>
+          </a:effectRef>
+          <a:fontRef idx="minor">
+            <a:schemeClr val="lt1"/>
+          </a:fontRef>
+        </p:style>
+        <p:txBody>
+          <a:bodyPr rtlCol="0" anchor="ctr"/>
+          <a:lstStyle/>
+          <a:p>
+            <a:pPr algn="ctr"/>
+            <a:endParaRPr lang="zh-TW" altLang="en-US"/>
+          </a:p>
+        </p:txBody>
+      </p:sp>
+      <p:sp>
+        <p:nvSpPr>
+          <p:cNvPr id="39" name="矩形 38">
+            <a:extLst>
+              <a:ext uri="{FF2B5EF4-FFF2-40B4-BE49-F238E27FC236}">
+                <a16:creationId xmlns:a16="http://schemas.microsoft.com/office/drawing/2014/main" id="{1EA8F49C-9D9E-A63F-586D-C9A694E4EFA2}"/>
+              </a:ext>
+            </a:extLst>
+          </p:cNvPr>
+          <p:cNvSpPr/>
+          <p:nvPr/>
+        </p:nvSpPr>
+        <p:spPr>
+          <a:xfrm>
+            <a:off x="5743575" y="1933575"/>
+            <a:ext cx="91125" cy="2252958"/>
+          </a:xfrm>
+          <a:prstGeom prst="rect">
+            <a:avLst/>
+          </a:prstGeom>
+        </p:spPr>
+        <p:style>
+          <a:lnRef idx="2">
+            <a:schemeClr val="accent1">
+              <a:shade val="15000"/>
+            </a:schemeClr>
+          </a:lnRef>
+          <a:fillRef idx="1">
+            <a:schemeClr val="accent1"/>
+          </a:fillRef>
+          <a:effectRef idx="0">
+            <a:schemeClr val="accent1"/>
+          </a:effectRef>
+          <a:fontRef idx="minor">
+            <a:schemeClr val="lt1"/>
+          </a:fontRef>
+        </p:style>
+        <p:txBody>
+          <a:bodyPr rtlCol="0" anchor="ctr"/>
+          <a:lstStyle/>
+          <a:p>
+            <a:pPr algn="ctr"/>
+            <a:endParaRPr lang="zh-TW" altLang="en-US"/>
+          </a:p>
+        </p:txBody>
+      </p:sp>
+      <p:sp>
+        <p:nvSpPr>
+          <p:cNvPr id="40" name="矩形 39">
+            <a:extLst>
+              <a:ext uri="{FF2B5EF4-FFF2-40B4-BE49-F238E27FC236}">
+                <a16:creationId xmlns:a16="http://schemas.microsoft.com/office/drawing/2014/main" id="{3E44E5A7-58FE-3B64-A71E-EE971F28ED60}"/>
+              </a:ext>
+            </a:extLst>
+          </p:cNvPr>
+          <p:cNvSpPr/>
+          <p:nvPr/>
+        </p:nvSpPr>
+        <p:spPr>
+          <a:xfrm>
+            <a:off x="7974487" y="1933575"/>
+            <a:ext cx="91125" cy="2252958"/>
+          </a:xfrm>
+          <a:prstGeom prst="rect">
+            <a:avLst/>
+          </a:prstGeom>
+        </p:spPr>
+        <p:style>
+          <a:lnRef idx="2">
+            <a:schemeClr val="accent1">
+              <a:shade val="15000"/>
+            </a:schemeClr>
+          </a:lnRef>
+          <a:fillRef idx="1">
+            <a:schemeClr val="accent1"/>
+          </a:fillRef>
+          <a:effectRef idx="0">
+            <a:schemeClr val="accent1"/>
+          </a:effectRef>
+          <a:fontRef idx="minor">
+            <a:schemeClr val="lt1"/>
+          </a:fontRef>
+        </p:style>
+        <p:txBody>
+          <a:bodyPr rtlCol="0" anchor="ctr"/>
+          <a:lstStyle/>
+          <a:p>
+            <a:pPr algn="ctr"/>
+            <a:endParaRPr lang="zh-TW" altLang="en-US"/>
+          </a:p>
+        </p:txBody>
+      </p:sp>
+      <p:sp>
+        <p:nvSpPr>
+          <p:cNvPr id="41" name="矩形 40">
+            <a:extLst>
+              <a:ext uri="{FF2B5EF4-FFF2-40B4-BE49-F238E27FC236}">
+                <a16:creationId xmlns:a16="http://schemas.microsoft.com/office/drawing/2014/main" id="{D27847C7-7A87-C34E-5BB3-B65150ED5A02}"/>
+              </a:ext>
+            </a:extLst>
+          </p:cNvPr>
+          <p:cNvSpPr/>
+          <p:nvPr/>
+        </p:nvSpPr>
+        <p:spPr>
+          <a:xfrm>
+            <a:off x="10205399" y="1955329"/>
+            <a:ext cx="91125" cy="2252958"/>
+          </a:xfrm>
+          <a:prstGeom prst="rect">
+            <a:avLst/>
+          </a:prstGeom>
+        </p:spPr>
+        <p:style>
+          <a:lnRef idx="2">
+            <a:schemeClr val="accent1">
+              <a:shade val="15000"/>
+            </a:schemeClr>
+          </a:lnRef>
+          <a:fillRef idx="1">
+            <a:schemeClr val="accent1"/>
+          </a:fillRef>
+          <a:effectRef idx="0">
+            <a:schemeClr val="accent1"/>
+          </a:effectRef>
+          <a:fontRef idx="minor">
+            <a:schemeClr val="lt1"/>
+          </a:fontRef>
+        </p:style>
+        <p:txBody>
+          <a:bodyPr rtlCol="0" anchor="ctr"/>
+          <a:lstStyle/>
+          <a:p>
+            <a:pPr algn="ctr"/>
+            <a:endParaRPr lang="zh-TW" altLang="en-US"/>
+          </a:p>
+        </p:txBody>
+      </p:sp>
+      <p:sp>
+        <p:nvSpPr>
+          <p:cNvPr id="42" name="矩形 41">
+            <a:extLst>
+              <a:ext uri="{FF2B5EF4-FFF2-40B4-BE49-F238E27FC236}">
+                <a16:creationId xmlns:a16="http://schemas.microsoft.com/office/drawing/2014/main" id="{0C7F93AB-A52F-0942-9072-E0EFDDEA14AB}"/>
+              </a:ext>
+            </a:extLst>
+          </p:cNvPr>
+          <p:cNvSpPr/>
+          <p:nvPr/>
+        </p:nvSpPr>
+        <p:spPr>
+          <a:xfrm>
+            <a:off x="1281750" y="1933575"/>
+            <a:ext cx="2185350" cy="122053"/>
+          </a:xfrm>
+          <a:prstGeom prst="rect">
+            <a:avLst/>
+          </a:prstGeom>
+        </p:spPr>
+        <p:style>
+          <a:lnRef idx="2">
+            <a:schemeClr val="accent1">
+              <a:shade val="15000"/>
+            </a:schemeClr>
+          </a:lnRef>
+          <a:fillRef idx="1">
+            <a:schemeClr val="accent1"/>
+          </a:fillRef>
+          <a:effectRef idx="0">
+            <a:schemeClr val="accent1"/>
+          </a:effectRef>
+          <a:fontRef idx="minor">
+            <a:schemeClr val="lt1"/>
+          </a:fontRef>
+        </p:style>
+        <p:txBody>
+          <a:bodyPr rtlCol="0" anchor="ctr"/>
+          <a:lstStyle/>
+          <a:p>
+            <a:pPr algn="ctr"/>
+            <a:endParaRPr lang="zh-TW" altLang="en-US"/>
+          </a:p>
+        </p:txBody>
+      </p:sp>
+      <p:sp>
+        <p:nvSpPr>
+          <p:cNvPr id="43" name="矩形 42">
+            <a:extLst>
+              <a:ext uri="{FF2B5EF4-FFF2-40B4-BE49-F238E27FC236}">
+                <a16:creationId xmlns:a16="http://schemas.microsoft.com/office/drawing/2014/main" id="{C3374DCD-B0A3-0129-629C-59F108356ED9}"/>
+              </a:ext>
+            </a:extLst>
+          </p:cNvPr>
+          <p:cNvSpPr/>
+          <p:nvPr/>
+        </p:nvSpPr>
+        <p:spPr>
+          <a:xfrm>
+            <a:off x="3557970" y="1933575"/>
+            <a:ext cx="2185350" cy="122053"/>
+          </a:xfrm>
+          <a:prstGeom prst="rect">
+            <a:avLst/>
+          </a:prstGeom>
+        </p:spPr>
+        <p:style>
+          <a:lnRef idx="2">
+            <a:schemeClr val="accent1">
+              <a:shade val="15000"/>
+            </a:schemeClr>
+          </a:lnRef>
+          <a:fillRef idx="1">
+            <a:schemeClr val="accent1"/>
+          </a:fillRef>
+          <a:effectRef idx="0">
+            <a:schemeClr val="accent1"/>
+          </a:effectRef>
+          <a:fontRef idx="minor">
+            <a:schemeClr val="lt1"/>
+          </a:fontRef>
+        </p:style>
+        <p:txBody>
+          <a:bodyPr rtlCol="0" anchor="ctr"/>
+          <a:lstStyle/>
+          <a:p>
+            <a:pPr algn="ctr"/>
+            <a:endParaRPr lang="zh-TW" altLang="en-US"/>
+          </a:p>
+        </p:txBody>
+      </p:sp>
+      <p:sp>
+        <p:nvSpPr>
+          <p:cNvPr id="44" name="矩形 43">
+            <a:extLst>
+              <a:ext uri="{FF2B5EF4-FFF2-40B4-BE49-F238E27FC236}">
+                <a16:creationId xmlns:a16="http://schemas.microsoft.com/office/drawing/2014/main" id="{CCA28228-71C5-E0D1-8A1F-84004D027D9A}"/>
+              </a:ext>
+            </a:extLst>
+          </p:cNvPr>
+          <p:cNvSpPr/>
+          <p:nvPr/>
+        </p:nvSpPr>
+        <p:spPr>
+          <a:xfrm>
+            <a:off x="5811524" y="1933575"/>
+            <a:ext cx="2185350" cy="122053"/>
+          </a:xfrm>
+          <a:prstGeom prst="rect">
+            <a:avLst/>
+          </a:prstGeom>
+        </p:spPr>
+        <p:style>
+          <a:lnRef idx="2">
+            <a:schemeClr val="accent1">
+              <a:shade val="15000"/>
+            </a:schemeClr>
+          </a:lnRef>
+          <a:fillRef idx="1">
+            <a:schemeClr val="accent1"/>
+          </a:fillRef>
+          <a:effectRef idx="0">
+            <a:schemeClr val="accent1"/>
+          </a:effectRef>
+          <a:fontRef idx="minor">
+            <a:schemeClr val="lt1"/>
+          </a:fontRef>
+        </p:style>
+        <p:txBody>
+          <a:bodyPr rtlCol="0" anchor="ctr"/>
+          <a:lstStyle/>
+          <a:p>
+            <a:pPr algn="ctr"/>
+            <a:endParaRPr lang="zh-TW" altLang="en-US"/>
+          </a:p>
+        </p:txBody>
+      </p:sp>
+      <p:sp>
+        <p:nvSpPr>
+          <p:cNvPr id="45" name="矩形 44">
+            <a:extLst>
+              <a:ext uri="{FF2B5EF4-FFF2-40B4-BE49-F238E27FC236}">
+                <a16:creationId xmlns:a16="http://schemas.microsoft.com/office/drawing/2014/main" id="{EA8D0F0A-C67B-CB64-8FBE-61C130FA4E35}"/>
+              </a:ext>
+            </a:extLst>
+          </p:cNvPr>
+          <p:cNvSpPr/>
+          <p:nvPr/>
+        </p:nvSpPr>
+        <p:spPr>
+          <a:xfrm>
+            <a:off x="1281623" y="4054981"/>
+            <a:ext cx="2185350" cy="122053"/>
+          </a:xfrm>
+          <a:prstGeom prst="rect">
+            <a:avLst/>
+          </a:prstGeom>
+        </p:spPr>
+        <p:style>
+          <a:lnRef idx="2">
+            <a:schemeClr val="accent1">
+              <a:shade val="15000"/>
+            </a:schemeClr>
+          </a:lnRef>
+          <a:fillRef idx="1">
+            <a:schemeClr val="accent1"/>
+          </a:fillRef>
+          <a:effectRef idx="0">
+            <a:schemeClr val="accent1"/>
+          </a:effectRef>
+          <a:fontRef idx="minor">
+            <a:schemeClr val="lt1"/>
+          </a:fontRef>
+        </p:style>
+        <p:txBody>
+          <a:bodyPr rtlCol="0" anchor="ctr"/>
+          <a:lstStyle/>
+          <a:p>
+            <a:pPr algn="ctr"/>
+            <a:endParaRPr lang="zh-TW" altLang="en-US"/>
+          </a:p>
+        </p:txBody>
+      </p:sp>
+      <p:sp>
+        <p:nvSpPr>
+          <p:cNvPr id="46" name="矩形 45">
+            <a:extLst>
+              <a:ext uri="{FF2B5EF4-FFF2-40B4-BE49-F238E27FC236}">
+                <a16:creationId xmlns:a16="http://schemas.microsoft.com/office/drawing/2014/main" id="{54BC862A-DF18-4289-F0D4-954544FA239E}"/>
+              </a:ext>
+            </a:extLst>
+          </p:cNvPr>
+          <p:cNvSpPr/>
+          <p:nvPr/>
+        </p:nvSpPr>
+        <p:spPr>
+          <a:xfrm>
+            <a:off x="3557970" y="4055129"/>
+            <a:ext cx="2185350" cy="122053"/>
+          </a:xfrm>
+          <a:prstGeom prst="rect">
+            <a:avLst/>
+          </a:prstGeom>
+        </p:spPr>
+        <p:style>
+          <a:lnRef idx="2">
+            <a:schemeClr val="accent1">
+              <a:shade val="15000"/>
+            </a:schemeClr>
+          </a:lnRef>
+          <a:fillRef idx="1">
+            <a:schemeClr val="accent1"/>
+          </a:fillRef>
+          <a:effectRef idx="0">
+            <a:schemeClr val="accent1"/>
+          </a:effectRef>
+          <a:fontRef idx="minor">
+            <a:schemeClr val="lt1"/>
+          </a:fontRef>
+        </p:style>
+        <p:txBody>
+          <a:bodyPr rtlCol="0" anchor="ctr"/>
+          <a:lstStyle/>
+          <a:p>
+            <a:pPr algn="ctr"/>
+            <a:endParaRPr lang="zh-TW" altLang="en-US"/>
+          </a:p>
+        </p:txBody>
+      </p:sp>
+      <p:sp>
+        <p:nvSpPr>
+          <p:cNvPr id="47" name="矩形 46">
+            <a:extLst>
+              <a:ext uri="{FF2B5EF4-FFF2-40B4-BE49-F238E27FC236}">
+                <a16:creationId xmlns:a16="http://schemas.microsoft.com/office/drawing/2014/main" id="{6855FB58-F375-60DD-248C-54AB89644E25}"/>
+              </a:ext>
+            </a:extLst>
+          </p:cNvPr>
+          <p:cNvSpPr/>
+          <p:nvPr/>
+        </p:nvSpPr>
+        <p:spPr>
+          <a:xfrm>
+            <a:off x="5834700" y="4064480"/>
+            <a:ext cx="2185350" cy="122053"/>
+          </a:xfrm>
+          <a:prstGeom prst="rect">
+            <a:avLst/>
+          </a:prstGeom>
+        </p:spPr>
+        <p:style>
+          <a:lnRef idx="2">
+            <a:schemeClr val="accent1">
+              <a:shade val="15000"/>
+            </a:schemeClr>
+          </a:lnRef>
+          <a:fillRef idx="1">
+            <a:schemeClr val="accent1"/>
+          </a:fillRef>
+          <a:effectRef idx="0">
+            <a:schemeClr val="accent1"/>
+          </a:effectRef>
+          <a:fontRef idx="minor">
+            <a:schemeClr val="lt1"/>
+          </a:fontRef>
+        </p:style>
+        <p:txBody>
+          <a:bodyPr rtlCol="0" anchor="ctr"/>
+          <a:lstStyle/>
+          <a:p>
+            <a:pPr algn="ctr"/>
+            <a:endParaRPr lang="zh-TW" altLang="en-US"/>
+          </a:p>
+        </p:txBody>
+      </p:sp>
+      <p:sp>
+        <p:nvSpPr>
+          <p:cNvPr id="48" name="矩形 47">
+            <a:extLst>
+              <a:ext uri="{FF2B5EF4-FFF2-40B4-BE49-F238E27FC236}">
+                <a16:creationId xmlns:a16="http://schemas.microsoft.com/office/drawing/2014/main" id="{C6C08648-D36B-2A05-3381-227D739519FC}"/>
+              </a:ext>
+            </a:extLst>
+          </p:cNvPr>
+          <p:cNvSpPr/>
+          <p:nvPr/>
+        </p:nvSpPr>
+        <p:spPr>
+          <a:xfrm>
+            <a:off x="7996874" y="1933575"/>
+            <a:ext cx="2185350" cy="122053"/>
+          </a:xfrm>
+          <a:prstGeom prst="rect">
+            <a:avLst/>
+          </a:prstGeom>
+        </p:spPr>
+        <p:style>
+          <a:lnRef idx="2">
+            <a:schemeClr val="accent1">
+              <a:shade val="15000"/>
+            </a:schemeClr>
+          </a:lnRef>
+          <a:fillRef idx="1">
+            <a:schemeClr val="accent1"/>
+          </a:fillRef>
+          <a:effectRef idx="0">
+            <a:schemeClr val="accent1"/>
+          </a:effectRef>
+          <a:fontRef idx="minor">
+            <a:schemeClr val="lt1"/>
+          </a:fontRef>
+        </p:style>
+        <p:txBody>
+          <a:bodyPr rtlCol="0" anchor="ctr"/>
+          <a:lstStyle/>
+          <a:p>
+            <a:pPr algn="ctr"/>
+            <a:endParaRPr lang="zh-TW" altLang="en-US"/>
+          </a:p>
+        </p:txBody>
+      </p:sp>
+      <p:sp>
+        <p:nvSpPr>
+          <p:cNvPr id="49" name="矩形 48">
+            <a:extLst>
+              <a:ext uri="{FF2B5EF4-FFF2-40B4-BE49-F238E27FC236}">
+                <a16:creationId xmlns:a16="http://schemas.microsoft.com/office/drawing/2014/main" id="{CB0C9A15-6E1A-16BE-6BEC-D7739067E556}"/>
+              </a:ext>
+            </a:extLst>
+          </p:cNvPr>
+          <p:cNvSpPr/>
+          <p:nvPr/>
+        </p:nvSpPr>
+        <p:spPr>
+          <a:xfrm>
+            <a:off x="8008462" y="4065827"/>
+            <a:ext cx="2185350" cy="122053"/>
+          </a:xfrm>
+          <a:prstGeom prst="rect">
+            <a:avLst/>
+          </a:prstGeom>
+        </p:spPr>
+        <p:style>
+          <a:lnRef idx="2">
+            <a:schemeClr val="accent1">
+              <a:shade val="15000"/>
+            </a:schemeClr>
+          </a:lnRef>
+          <a:fillRef idx="1">
+            <a:schemeClr val="accent1"/>
+          </a:fillRef>
+          <a:effectRef idx="0">
+            <a:schemeClr val="accent1"/>
+          </a:effectRef>
+          <a:fontRef idx="minor">
+            <a:schemeClr val="lt1"/>
+          </a:fontRef>
+        </p:style>
+        <p:txBody>
+          <a:bodyPr rtlCol="0" anchor="ctr"/>
+          <a:lstStyle/>
+          <a:p>
+            <a:pPr algn="ctr"/>
+            <a:endParaRPr lang="zh-TW" altLang="en-US"/>
+          </a:p>
+        </p:txBody>
+      </p:sp>
     </p:spTree>
     <p:extLst>
       <p:ext uri="{BB962C8B-B14F-4D97-AF65-F5344CB8AC3E}">
         <p14:creationId xmlns:p14="http://schemas.microsoft.com/office/powerpoint/2010/main" val="4019505360"/>
+      </p:ext>
+    </p:extLst>
+  </p:cSld>
+  <p:clrMapOvr>
+    <a:masterClrMapping/>
+  </p:clrMapOvr>
+</p:sld>
+</file>
+
+<file path=ppt/slides/slide5.xml><?xml version="1.0" encoding="utf-8"?>
+<p:sld xmlns:a="http://schemas.openxmlformats.org/drawingml/2006/main" xmlns:r="http://schemas.openxmlformats.org/officeDocument/2006/relationships" xmlns:p="http://schemas.openxmlformats.org/presentationml/2006/main">
+  <p:cSld>
+    <p:bg>
+      <p:bgPr>
+        <a:solidFill>
+          <a:schemeClr val="bg1"/>
+        </a:solidFill>
+        <a:effectLst/>
+      </p:bgPr>
+    </p:bg>
+    <p:spTree>
+      <p:nvGrpSpPr>
+        <p:cNvPr id="1" name=""/>
+        <p:cNvGrpSpPr/>
+        <p:nvPr/>
+      </p:nvGrpSpPr>
+      <p:grpSpPr>
+        <a:xfrm>
+          <a:off x="0" y="0"/>
+          <a:ext cx="0" cy="0"/>
+          <a:chOff x="0" y="0"/>
+          <a:chExt cx="0" cy="0"/>
+        </a:xfrm>
+      </p:grpSpPr>
+      <p:pic>
+        <p:nvPicPr>
+          <p:cNvPr id="11" name="圖片 10">
+            <a:extLst>
+              <a:ext uri="{FF2B5EF4-FFF2-40B4-BE49-F238E27FC236}">
+                <a16:creationId xmlns:a16="http://schemas.microsoft.com/office/drawing/2014/main" id="{E34188C0-361B-C876-5C10-4C46F4A9925A}"/>
+              </a:ext>
+            </a:extLst>
+          </p:cNvPr>
+          <p:cNvPicPr>
+            <a:picLocks noChangeAspect="1"/>
+          </p:cNvPicPr>
+          <p:nvPr/>
+        </p:nvPicPr>
+        <p:blipFill>
+          <a:blip r:embed="rId2"/>
+          <a:stretch>
+            <a:fillRect/>
+          </a:stretch>
+        </p:blipFill>
+        <p:spPr>
+          <a:xfrm>
+            <a:off x="484632" y="1720124"/>
+            <a:ext cx="3517119" cy="3411605"/>
+          </a:xfrm>
+          <a:prstGeom prst="rect">
+            <a:avLst/>
+          </a:prstGeom>
+        </p:spPr>
+      </p:pic>
+      <p:cxnSp>
+        <p:nvCxnSpPr>
+          <p:cNvPr id="16" name="Straight Connector 15">
+            <a:extLst>
+              <a:ext uri="{FF2B5EF4-FFF2-40B4-BE49-F238E27FC236}">
+                <a16:creationId xmlns:a16="http://schemas.microsoft.com/office/drawing/2014/main" id="{DCD67800-37AC-4E14-89B0-F79DCB3FB86D}"/>
+              </a:ext>
+              <a:ext uri="{C183D7F6-B498-43B3-948B-1728B52AA6E4}">
+                <adec:decorative xmlns:adec="http://schemas.microsoft.com/office/drawing/2017/decorative" val="1"/>
+              </a:ext>
+            </a:extLst>
+          </p:cNvPr>
+          <p:cNvCxnSpPr>
+            <a:cxnSpLocks noGrp="1" noRot="1" noChangeAspect="1" noMove="1" noResize="1" noEditPoints="1" noAdjustHandles="1" noChangeArrowheads="1" noChangeShapeType="1"/>
+          </p:cNvCxnSpPr>
+          <p:nvPr>
+            <p:extLst>
+              <p:ext uri="{386F3935-93C4-4BCD-93E2-E3B085C9AB24}">
+                <p16:designElem xmlns:p16="http://schemas.microsoft.com/office/powerpoint/2015/main" val="1"/>
+              </p:ext>
+            </p:extLst>
+          </p:nvPr>
+        </p:nvCxnSpPr>
+        <p:spPr>
+          <a:xfrm>
+            <a:off x="4165600" y="1573887"/>
+            <a:ext cx="0" cy="3710227"/>
+          </a:xfrm>
+          <a:prstGeom prst="line">
+            <a:avLst/>
+          </a:prstGeom>
+          <a:ln w="19050">
+            <a:solidFill>
+              <a:srgbClr val="7F7F7F"/>
+            </a:solidFill>
+          </a:ln>
+        </p:spPr>
+        <p:style>
+          <a:lnRef idx="1">
+            <a:schemeClr val="accent1"/>
+          </a:lnRef>
+          <a:fillRef idx="0">
+            <a:schemeClr val="accent1"/>
+          </a:fillRef>
+          <a:effectRef idx="0">
+            <a:schemeClr val="accent1"/>
+          </a:effectRef>
+          <a:fontRef idx="minor">
+            <a:schemeClr val="tx1"/>
+          </a:fontRef>
+        </p:style>
+      </p:cxnSp>
+      <p:pic>
+        <p:nvPicPr>
+          <p:cNvPr id="5" name="圖片 4">
+            <a:extLst>
+              <a:ext uri="{FF2B5EF4-FFF2-40B4-BE49-F238E27FC236}">
+                <a16:creationId xmlns:a16="http://schemas.microsoft.com/office/drawing/2014/main" id="{A5D8A88B-BBA2-30D0-41D3-FAE83494DE70}"/>
+              </a:ext>
+            </a:extLst>
+          </p:cNvPr>
+          <p:cNvPicPr>
+            <a:picLocks noChangeAspect="1"/>
+          </p:cNvPicPr>
+          <p:nvPr/>
+        </p:nvPicPr>
+        <p:blipFill>
+          <a:blip r:embed="rId3"/>
+          <a:stretch>
+            <a:fillRect/>
+          </a:stretch>
+        </p:blipFill>
+        <p:spPr>
+          <a:xfrm>
+            <a:off x="4310676" y="1812014"/>
+            <a:ext cx="3537345" cy="3227826"/>
+          </a:xfrm>
+          <a:prstGeom prst="rect">
+            <a:avLst/>
+          </a:prstGeom>
+        </p:spPr>
+      </p:pic>
+      <p:cxnSp>
+        <p:nvCxnSpPr>
+          <p:cNvPr id="18" name="Straight Connector 17">
+            <a:extLst>
+              <a:ext uri="{FF2B5EF4-FFF2-40B4-BE49-F238E27FC236}">
+                <a16:creationId xmlns:a16="http://schemas.microsoft.com/office/drawing/2014/main" id="{20F1788F-A5AE-4188-8274-F7F2E3833ECD}"/>
+              </a:ext>
+              <a:ext uri="{C183D7F6-B498-43B3-948B-1728B52AA6E4}">
+                <adec:decorative xmlns:adec="http://schemas.microsoft.com/office/drawing/2017/decorative" val="1"/>
+              </a:ext>
+            </a:extLst>
+          </p:cNvPr>
+          <p:cNvCxnSpPr>
+            <a:cxnSpLocks noGrp="1" noRot="1" noChangeAspect="1" noMove="1" noResize="1" noEditPoints="1" noAdjustHandles="1" noChangeArrowheads="1" noChangeShapeType="1"/>
+          </p:cNvCxnSpPr>
+          <p:nvPr>
+            <p:extLst>
+              <p:ext uri="{386F3935-93C4-4BCD-93E2-E3B085C9AB24}">
+                <p16:designElem xmlns:p16="http://schemas.microsoft.com/office/powerpoint/2015/main" val="1"/>
+              </p:ext>
+            </p:extLst>
+          </p:nvPr>
+        </p:nvCxnSpPr>
+        <p:spPr>
+          <a:xfrm>
+            <a:off x="7995920" y="1573887"/>
+            <a:ext cx="0" cy="3710227"/>
+          </a:xfrm>
+          <a:prstGeom prst="line">
+            <a:avLst/>
+          </a:prstGeom>
+          <a:ln w="19050">
+            <a:solidFill>
+              <a:srgbClr val="7F7F7F"/>
+            </a:solidFill>
+          </a:ln>
+        </p:spPr>
+        <p:style>
+          <a:lnRef idx="1">
+            <a:schemeClr val="accent1"/>
+          </a:lnRef>
+          <a:fillRef idx="0">
+            <a:schemeClr val="accent1"/>
+          </a:fillRef>
+          <a:effectRef idx="0">
+            <a:schemeClr val="accent1"/>
+          </a:effectRef>
+          <a:fontRef idx="minor">
+            <a:schemeClr val="tx1"/>
+          </a:fontRef>
+        </p:style>
+      </p:cxnSp>
+      <p:pic>
+        <p:nvPicPr>
+          <p:cNvPr id="7" name="圖片 6">
+            <a:extLst>
+              <a:ext uri="{FF2B5EF4-FFF2-40B4-BE49-F238E27FC236}">
+                <a16:creationId xmlns:a16="http://schemas.microsoft.com/office/drawing/2014/main" id="{CC2C8A6D-B45F-5F08-D283-16003698BD21}"/>
+              </a:ext>
+            </a:extLst>
+          </p:cNvPr>
+          <p:cNvPicPr>
+            <a:picLocks noChangeAspect="1"/>
+          </p:cNvPicPr>
+          <p:nvPr/>
+        </p:nvPicPr>
+        <p:blipFill>
+          <a:blip r:embed="rId4"/>
+          <a:stretch>
+            <a:fillRect/>
+          </a:stretch>
+        </p:blipFill>
+        <p:spPr>
+          <a:xfrm>
+            <a:off x="8162336" y="1794864"/>
+            <a:ext cx="3517120" cy="3262128"/>
+          </a:xfrm>
+          <a:prstGeom prst="rect">
+            <a:avLst/>
+          </a:prstGeom>
+        </p:spPr>
+      </p:pic>
+      <p:sp>
+        <p:nvSpPr>
+          <p:cNvPr id="12" name="文字方塊 11">
+            <a:extLst>
+              <a:ext uri="{FF2B5EF4-FFF2-40B4-BE49-F238E27FC236}">
+                <a16:creationId xmlns:a16="http://schemas.microsoft.com/office/drawing/2014/main" id="{B18CD1F4-3142-EC9C-D98D-59EA73C2F11B}"/>
+              </a:ext>
+            </a:extLst>
+          </p:cNvPr>
+          <p:cNvSpPr txBox="1"/>
+          <p:nvPr/>
+        </p:nvSpPr>
+        <p:spPr>
+          <a:xfrm>
+            <a:off x="4711989" y="5476239"/>
+            <a:ext cx="2768021" cy="584775"/>
+          </a:xfrm>
+          <a:prstGeom prst="rect">
+            <a:avLst/>
+          </a:prstGeom>
+          <a:noFill/>
+        </p:spPr>
+        <p:txBody>
+          <a:bodyPr wrap="square" rtlCol="0">
+            <a:spAutoFit/>
+          </a:bodyPr>
+          <a:lstStyle/>
+          <a:p>
+            <a:pPr algn="ctr"/>
+            <a:r>
+              <a:rPr lang="zh-TW" altLang="en-US" sz="3200" dirty="0">
+                <a:latin typeface="微軟正黑體" panose="020B0604030504040204" pitchFamily="34" charset="-120"/>
+                <a:ea typeface="微軟正黑體" panose="020B0604030504040204" pitchFamily="34" charset="-120"/>
+              </a:rPr>
+              <a:t>三個重複</a:t>
+            </a:r>
+          </a:p>
+        </p:txBody>
+      </p:sp>
+      <p:sp>
+        <p:nvSpPr>
+          <p:cNvPr id="17" name="文字方塊 16">
+            <a:extLst>
+              <a:ext uri="{FF2B5EF4-FFF2-40B4-BE49-F238E27FC236}">
+                <a16:creationId xmlns:a16="http://schemas.microsoft.com/office/drawing/2014/main" id="{843A2387-9467-3EAC-B93E-3D66D441AFEE}"/>
+              </a:ext>
+            </a:extLst>
+          </p:cNvPr>
+          <p:cNvSpPr txBox="1"/>
+          <p:nvPr/>
+        </p:nvSpPr>
+        <p:spPr>
+          <a:xfrm>
+            <a:off x="859180" y="5476238"/>
+            <a:ext cx="2768021" cy="584775"/>
+          </a:xfrm>
+          <a:prstGeom prst="rect">
+            <a:avLst/>
+          </a:prstGeom>
+          <a:noFill/>
+        </p:spPr>
+        <p:txBody>
+          <a:bodyPr wrap="square" rtlCol="0">
+            <a:spAutoFit/>
+          </a:bodyPr>
+          <a:lstStyle/>
+          <a:p>
+            <a:pPr algn="ctr"/>
+            <a:r>
+              <a:rPr lang="zh-TW" altLang="en-US" sz="3200" dirty="0">
+                <a:latin typeface="微軟正黑體" panose="020B0604030504040204" pitchFamily="34" charset="-120"/>
+                <a:ea typeface="微軟正黑體" panose="020B0604030504040204" pitchFamily="34" charset="-120"/>
+              </a:rPr>
+              <a:t>一個重複</a:t>
+            </a:r>
+          </a:p>
+        </p:txBody>
+      </p:sp>
+      <p:sp>
+        <p:nvSpPr>
+          <p:cNvPr id="19" name="文字方塊 18">
+            <a:extLst>
+              <a:ext uri="{FF2B5EF4-FFF2-40B4-BE49-F238E27FC236}">
+                <a16:creationId xmlns:a16="http://schemas.microsoft.com/office/drawing/2014/main" id="{CB3E7FDE-87DF-618B-27BC-5E938E08F72F}"/>
+              </a:ext>
+            </a:extLst>
+          </p:cNvPr>
+          <p:cNvSpPr txBox="1"/>
+          <p:nvPr/>
+        </p:nvSpPr>
+        <p:spPr>
+          <a:xfrm>
+            <a:off x="8536885" y="5476238"/>
+            <a:ext cx="2768021" cy="584775"/>
+          </a:xfrm>
+          <a:prstGeom prst="rect">
+            <a:avLst/>
+          </a:prstGeom>
+          <a:noFill/>
+        </p:spPr>
+        <p:txBody>
+          <a:bodyPr wrap="square" rtlCol="0">
+            <a:spAutoFit/>
+          </a:bodyPr>
+          <a:lstStyle/>
+          <a:p>
+            <a:pPr algn="ctr"/>
+            <a:r>
+              <a:rPr lang="zh-TW" altLang="en-US" sz="3200" dirty="0">
+                <a:latin typeface="微軟正黑體" panose="020B0604030504040204" pitchFamily="34" charset="-120"/>
+                <a:ea typeface="微軟正黑體" panose="020B0604030504040204" pitchFamily="34" charset="-120"/>
+              </a:rPr>
+              <a:t>二個重複</a:t>
+            </a:r>
+          </a:p>
+        </p:txBody>
+      </p:sp>
+    </p:spTree>
+    <p:extLst>
+      <p:ext uri="{BB962C8B-B14F-4D97-AF65-F5344CB8AC3E}">
+        <p14:creationId xmlns:p14="http://schemas.microsoft.com/office/powerpoint/2010/main" val="1180069556"/>
+      </p:ext>
+    </p:extLst>
+  </p:cSld>
+  <p:clrMapOvr>
+    <a:masterClrMapping/>
+  </p:clrMapOvr>
+</p:sld>
+</file>
+
+<file path=ppt/slides/slide6.xml><?xml version="1.0" encoding="utf-8"?>
+<p:sld xmlns:a="http://schemas.openxmlformats.org/drawingml/2006/main" xmlns:r="http://schemas.openxmlformats.org/officeDocument/2006/relationships" xmlns:p="http://schemas.openxmlformats.org/presentationml/2006/main">
+  <p:cSld>
+    <p:spTree>
+      <p:nvGrpSpPr>
+        <p:cNvPr id="1" name=""/>
+        <p:cNvGrpSpPr/>
+        <p:nvPr/>
+      </p:nvGrpSpPr>
+      <p:grpSpPr>
+        <a:xfrm>
+          <a:off x="0" y="0"/>
+          <a:ext cx="0" cy="0"/>
+          <a:chOff x="0" y="0"/>
+          <a:chExt cx="0" cy="0"/>
+        </a:xfrm>
+      </p:grpSpPr>
+      <p:sp>
+        <p:nvSpPr>
+          <p:cNvPr id="2" name="文字方塊 1">
+            <a:extLst>
+              <a:ext uri="{FF2B5EF4-FFF2-40B4-BE49-F238E27FC236}">
+                <a16:creationId xmlns:a16="http://schemas.microsoft.com/office/drawing/2014/main" id="{33107B8F-1426-3D4C-10C5-079CD8B2818B}"/>
+              </a:ext>
+            </a:extLst>
+          </p:cNvPr>
+          <p:cNvSpPr txBox="1"/>
+          <p:nvPr/>
+        </p:nvSpPr>
+        <p:spPr>
+          <a:xfrm>
+            <a:off x="0" y="647977"/>
+            <a:ext cx="4210050" cy="707886"/>
+          </a:xfrm>
+          <a:prstGeom prst="rect">
+            <a:avLst/>
+          </a:prstGeom>
+          <a:noFill/>
+        </p:spPr>
+        <p:txBody>
+          <a:bodyPr wrap="square" rtlCol="0">
+            <a:spAutoFit/>
+          </a:bodyPr>
+          <a:lstStyle/>
+          <a:p>
+            <a:pPr algn="ctr"/>
+            <a:r>
+              <a:rPr lang="zh-TW" altLang="en-US" sz="4000" dirty="0">
+                <a:latin typeface="微軟正黑體" panose="020B0604030504040204" pitchFamily="34" charset="-120"/>
+                <a:ea typeface="微軟正黑體" panose="020B0604030504040204" pitchFamily="34" charset="-120"/>
+              </a:rPr>
+              <a:t>保底</a:t>
+            </a:r>
+          </a:p>
+        </p:txBody>
+      </p:sp>
+      <p:sp>
+        <p:nvSpPr>
+          <p:cNvPr id="3" name="文字方塊 2">
+            <a:extLst>
+              <a:ext uri="{FF2B5EF4-FFF2-40B4-BE49-F238E27FC236}">
+                <a16:creationId xmlns:a16="http://schemas.microsoft.com/office/drawing/2014/main" id="{4EFC92E7-4DAA-35BA-116F-DC5D4B9E73D2}"/>
+              </a:ext>
+            </a:extLst>
+          </p:cNvPr>
+          <p:cNvSpPr txBox="1"/>
+          <p:nvPr/>
+        </p:nvSpPr>
+        <p:spPr>
+          <a:xfrm>
+            <a:off x="1771650" y="2152650"/>
+            <a:ext cx="8867775" cy="1077218"/>
+          </a:xfrm>
+          <a:prstGeom prst="rect">
+            <a:avLst/>
+          </a:prstGeom>
+          <a:noFill/>
+        </p:spPr>
+        <p:txBody>
+          <a:bodyPr wrap="square" rtlCol="0">
+            <a:spAutoFit/>
+          </a:bodyPr>
+          <a:lstStyle/>
+          <a:p>
+            <a:pPr marL="285750" indent="-285750">
+              <a:buFont typeface="Arial" panose="020B0604020202020204" pitchFamily="34" charset="0"/>
+              <a:buChar char="•"/>
+            </a:pPr>
+            <a:r>
+              <a:rPr lang="zh-TW" altLang="en-US" sz="3200" dirty="0">
+                <a:latin typeface="微軟正黑體" panose="020B0604030504040204" pitchFamily="34" charset="-120"/>
+                <a:ea typeface="微軟正黑體" panose="020B0604030504040204" pitchFamily="34" charset="-120"/>
+              </a:rPr>
+              <a:t>三次保底</a:t>
+            </a:r>
+            <a:endParaRPr lang="en-US" altLang="zh-TW" sz="3200" dirty="0">
+              <a:latin typeface="微軟正黑體" panose="020B0604030504040204" pitchFamily="34" charset="-120"/>
+              <a:ea typeface="微軟正黑體" panose="020B0604030504040204" pitchFamily="34" charset="-120"/>
+            </a:endParaRPr>
+          </a:p>
+          <a:p>
+            <a:pPr marL="285750" indent="-285750">
+              <a:buFont typeface="Arial" panose="020B0604020202020204" pitchFamily="34" charset="0"/>
+              <a:buChar char="•"/>
+            </a:pPr>
+            <a:r>
+              <a:rPr lang="zh-TW" altLang="en-US" sz="3200" dirty="0">
+                <a:latin typeface="微軟正黑體" panose="020B0604030504040204" pitchFamily="34" charset="-120"/>
+                <a:ea typeface="微軟正黑體" panose="020B0604030504040204" pitchFamily="34" charset="-120"/>
+              </a:rPr>
+              <a:t>速率調控</a:t>
+            </a:r>
+            <a:endParaRPr lang="en-US" altLang="zh-TW" sz="3200" dirty="0">
+              <a:latin typeface="微軟正黑體" panose="020B0604030504040204" pitchFamily="34" charset="-120"/>
+              <a:ea typeface="微軟正黑體" panose="020B0604030504040204" pitchFamily="34" charset="-120"/>
+            </a:endParaRPr>
+          </a:p>
+        </p:txBody>
+      </p:sp>
+    </p:spTree>
+    <p:extLst>
+      <p:ext uri="{BB962C8B-B14F-4D97-AF65-F5344CB8AC3E}">
+        <p14:creationId xmlns:p14="http://schemas.microsoft.com/office/powerpoint/2010/main" val="257229476"/>
       </p:ext>
     </p:extLst>
   </p:cSld>
